--- a/Instructions_Pictures/AFACT & MAB Instructions/ControPresntation.pptx
+++ b/Instructions_Pictures/AFACT & MAB Instructions/ControPresntation.pptx
@@ -10,7 +10,7 @@
   </p:notesMasterIdLst>
   <p:sldIdLst>
     <p:sldId id="264" r:id="rId3"/>
-    <p:sldId id="284" r:id="rId4"/>
+    <p:sldId id="286" r:id="rId4"/>
     <p:sldId id="285" r:id="rId5"/>
     <p:sldId id="283" r:id="rId6"/>
     <p:sldId id="281" r:id="rId7"/>
@@ -203,7 +203,7 @@
           <a:p>
             <a:fld id="{E130F5AB-C98F-4759-9D05-F414FD7B35E1}" type="datetimeFigureOut">
               <a:rPr lang="en-US" smtClean="0"/>
-              <a:t>2/25/2021</a:t>
+              <a:t>7/18/2021</a:t>
             </a:fld>
             <a:endParaRPr lang="en-US"/>
           </a:p>
@@ -689,7 +689,7 @@
           <a:p>
             <a:fld id="{306B59E2-DA6D-487B-96A5-0C8E7410BF99}" type="datetimeFigureOut">
               <a:rPr lang="he-IL" smtClean="0"/>
-              <a:t>י"ג/אדר/תשפ"א</a:t>
+              <a:t>ט'/אב/תשפ"א</a:t>
             </a:fld>
             <a:endParaRPr lang="he-IL"/>
           </a:p>
@@ -859,7 +859,7 @@
           <a:p>
             <a:fld id="{306B59E2-DA6D-487B-96A5-0C8E7410BF99}" type="datetimeFigureOut">
               <a:rPr lang="he-IL" smtClean="0"/>
-              <a:t>י"ג/אדר/תשפ"א</a:t>
+              <a:t>ט'/אב/תשפ"א</a:t>
             </a:fld>
             <a:endParaRPr lang="he-IL"/>
           </a:p>
@@ -1039,7 +1039,7 @@
           <a:p>
             <a:fld id="{306B59E2-DA6D-487B-96A5-0C8E7410BF99}" type="datetimeFigureOut">
               <a:rPr lang="he-IL" smtClean="0"/>
-              <a:t>י"ג/אדר/תשפ"א</a:t>
+              <a:t>ט'/אב/תשפ"א</a:t>
             </a:fld>
             <a:endParaRPr lang="he-IL"/>
           </a:p>
@@ -1231,7 +1231,7 @@
           <a:p>
             <a:fld id="{4476BBAF-3BF1-4078-A5DF-44D473DCBE61}" type="datetimeFigureOut">
               <a:rPr lang="he-IL" smtClean="0"/>
-              <a:t>י"ג/אדר/תשפ"א</a:t>
+              <a:t>ט'/אב/תשפ"א</a:t>
             </a:fld>
             <a:endParaRPr lang="he-IL"/>
           </a:p>
@@ -1401,7 +1401,7 @@
           <a:p>
             <a:fld id="{4476BBAF-3BF1-4078-A5DF-44D473DCBE61}" type="datetimeFigureOut">
               <a:rPr lang="he-IL" smtClean="0"/>
-              <a:t>י"ג/אדר/תשפ"א</a:t>
+              <a:t>ט'/אב/תשפ"א</a:t>
             </a:fld>
             <a:endParaRPr lang="he-IL"/>
           </a:p>
@@ -1647,7 +1647,7 @@
           <a:p>
             <a:fld id="{4476BBAF-3BF1-4078-A5DF-44D473DCBE61}" type="datetimeFigureOut">
               <a:rPr lang="he-IL" smtClean="0"/>
-              <a:t>י"ג/אדר/תשפ"א</a:t>
+              <a:t>ט'/אב/תשפ"א</a:t>
             </a:fld>
             <a:endParaRPr lang="he-IL"/>
           </a:p>
@@ -1879,7 +1879,7 @@
           <a:p>
             <a:fld id="{4476BBAF-3BF1-4078-A5DF-44D473DCBE61}" type="datetimeFigureOut">
               <a:rPr lang="he-IL" smtClean="0"/>
-              <a:t>י"ג/אדר/תשפ"א</a:t>
+              <a:t>ט'/אב/תשפ"א</a:t>
             </a:fld>
             <a:endParaRPr lang="he-IL"/>
           </a:p>
@@ -2246,7 +2246,7 @@
           <a:p>
             <a:fld id="{4476BBAF-3BF1-4078-A5DF-44D473DCBE61}" type="datetimeFigureOut">
               <a:rPr lang="he-IL" smtClean="0"/>
-              <a:t>י"ג/אדר/תשפ"א</a:t>
+              <a:t>ט'/אב/תשפ"א</a:t>
             </a:fld>
             <a:endParaRPr lang="he-IL"/>
           </a:p>
@@ -2364,7 +2364,7 @@
           <a:p>
             <a:fld id="{4476BBAF-3BF1-4078-A5DF-44D473DCBE61}" type="datetimeFigureOut">
               <a:rPr lang="he-IL" smtClean="0"/>
-              <a:t>י"ג/אדר/תשפ"א</a:t>
+              <a:t>ט'/אב/תשפ"א</a:t>
             </a:fld>
             <a:endParaRPr lang="he-IL"/>
           </a:p>
@@ -2459,7 +2459,7 @@
           <a:p>
             <a:fld id="{4476BBAF-3BF1-4078-A5DF-44D473DCBE61}" type="datetimeFigureOut">
               <a:rPr lang="he-IL" smtClean="0"/>
-              <a:t>י"ג/אדר/תשפ"א</a:t>
+              <a:t>ט'/אב/תשפ"א</a:t>
             </a:fld>
             <a:endParaRPr lang="he-IL"/>
           </a:p>
@@ -2736,7 +2736,7 @@
           <a:p>
             <a:fld id="{4476BBAF-3BF1-4078-A5DF-44D473DCBE61}" type="datetimeFigureOut">
               <a:rPr lang="he-IL" smtClean="0"/>
-              <a:t>י"ג/אדר/תשפ"א</a:t>
+              <a:t>ט'/אב/תשפ"א</a:t>
             </a:fld>
             <a:endParaRPr lang="he-IL"/>
           </a:p>
@@ -2906,7 +2906,7 @@
           <a:p>
             <a:fld id="{306B59E2-DA6D-487B-96A5-0C8E7410BF99}" type="datetimeFigureOut">
               <a:rPr lang="he-IL" smtClean="0"/>
-              <a:t>י"ג/אדר/תשפ"א</a:t>
+              <a:t>ט'/אב/תשפ"א</a:t>
             </a:fld>
             <a:endParaRPr lang="he-IL"/>
           </a:p>
@@ -3159,7 +3159,7 @@
           <a:p>
             <a:fld id="{4476BBAF-3BF1-4078-A5DF-44D473DCBE61}" type="datetimeFigureOut">
               <a:rPr lang="he-IL" smtClean="0"/>
-              <a:t>י"ג/אדר/תשפ"א</a:t>
+              <a:t>ט'/אב/תשפ"א</a:t>
             </a:fld>
             <a:endParaRPr lang="he-IL"/>
           </a:p>
@@ -3329,7 +3329,7 @@
           <a:p>
             <a:fld id="{4476BBAF-3BF1-4078-A5DF-44D473DCBE61}" type="datetimeFigureOut">
               <a:rPr lang="he-IL" smtClean="0"/>
-              <a:t>י"ג/אדר/תשפ"א</a:t>
+              <a:t>ט'/אב/תשפ"א</a:t>
             </a:fld>
             <a:endParaRPr lang="he-IL"/>
           </a:p>
@@ -3509,7 +3509,7 @@
           <a:p>
             <a:fld id="{4476BBAF-3BF1-4078-A5DF-44D473DCBE61}" type="datetimeFigureOut">
               <a:rPr lang="he-IL" smtClean="0"/>
-              <a:t>י"ג/אדר/תשפ"א</a:t>
+              <a:t>ט'/אב/תשפ"א</a:t>
             </a:fld>
             <a:endParaRPr lang="he-IL"/>
           </a:p>
@@ -3755,7 +3755,7 @@
           <a:p>
             <a:fld id="{306B59E2-DA6D-487B-96A5-0C8E7410BF99}" type="datetimeFigureOut">
               <a:rPr lang="he-IL" smtClean="0"/>
-              <a:t>י"ג/אדר/תשפ"א</a:t>
+              <a:t>ט'/אב/תשפ"א</a:t>
             </a:fld>
             <a:endParaRPr lang="he-IL"/>
           </a:p>
@@ -3987,7 +3987,7 @@
           <a:p>
             <a:fld id="{306B59E2-DA6D-487B-96A5-0C8E7410BF99}" type="datetimeFigureOut">
               <a:rPr lang="he-IL" smtClean="0"/>
-              <a:t>י"ג/אדר/תשפ"א</a:t>
+              <a:t>ט'/אב/תשפ"א</a:t>
             </a:fld>
             <a:endParaRPr lang="he-IL"/>
           </a:p>
@@ -4354,7 +4354,7 @@
           <a:p>
             <a:fld id="{306B59E2-DA6D-487B-96A5-0C8E7410BF99}" type="datetimeFigureOut">
               <a:rPr lang="he-IL" smtClean="0"/>
-              <a:t>י"ג/אדר/תשפ"א</a:t>
+              <a:t>ט'/אב/תשפ"א</a:t>
             </a:fld>
             <a:endParaRPr lang="he-IL"/>
           </a:p>
@@ -4472,7 +4472,7 @@
           <a:p>
             <a:fld id="{306B59E2-DA6D-487B-96A5-0C8E7410BF99}" type="datetimeFigureOut">
               <a:rPr lang="he-IL" smtClean="0"/>
-              <a:t>י"ג/אדר/תשפ"א</a:t>
+              <a:t>ט'/אב/תשפ"א</a:t>
             </a:fld>
             <a:endParaRPr lang="he-IL"/>
           </a:p>
@@ -4567,7 +4567,7 @@
           <a:p>
             <a:fld id="{306B59E2-DA6D-487B-96A5-0C8E7410BF99}" type="datetimeFigureOut">
               <a:rPr lang="he-IL" smtClean="0"/>
-              <a:t>י"ג/אדר/תשפ"א</a:t>
+              <a:t>ט'/אב/תשפ"א</a:t>
             </a:fld>
             <a:endParaRPr lang="he-IL"/>
           </a:p>
@@ -4844,7 +4844,7 @@
           <a:p>
             <a:fld id="{306B59E2-DA6D-487B-96A5-0C8E7410BF99}" type="datetimeFigureOut">
               <a:rPr lang="he-IL" smtClean="0"/>
-              <a:t>י"ג/אדר/תשפ"א</a:t>
+              <a:t>ט'/אב/תשפ"א</a:t>
             </a:fld>
             <a:endParaRPr lang="he-IL"/>
           </a:p>
@@ -5097,7 +5097,7 @@
           <a:p>
             <a:fld id="{306B59E2-DA6D-487B-96A5-0C8E7410BF99}" type="datetimeFigureOut">
               <a:rPr lang="he-IL" smtClean="0"/>
-              <a:t>י"ג/אדר/תשפ"א</a:t>
+              <a:t>ט'/אב/תשפ"א</a:t>
             </a:fld>
             <a:endParaRPr lang="he-IL"/>
           </a:p>
@@ -5313,7 +5313,7 @@
           <a:p>
             <a:fld id="{306B59E2-DA6D-487B-96A5-0C8E7410BF99}" type="datetimeFigureOut">
               <a:rPr lang="he-IL" smtClean="0"/>
-              <a:t>י"ג/אדר/תשפ"א</a:t>
+              <a:t>ט'/אב/תשפ"א</a:t>
             </a:fld>
             <a:endParaRPr lang="he-IL"/>
           </a:p>
@@ -5853,7 +5853,7 @@
           <a:p>
             <a:fld id="{4476BBAF-3BF1-4078-A5DF-44D473DCBE61}" type="datetimeFigureOut">
               <a:rPr lang="he-IL" smtClean="0"/>
-              <a:t>י"ג/אדר/תשפ"א</a:t>
+              <a:t>ט'/אב/תשפ"א</a:t>
             </a:fld>
             <a:endParaRPr lang="he-IL"/>
           </a:p>
@@ -6578,296 +6578,161 @@
           <a:bodyPr lIns="160949" tIns="80476" rIns="160949" bIns="80476" rtlCol="1" anchor="ctr"/>
           <a:lstStyle/>
           <a:p>
-            <a:pPr marL="0" marR="0" lvl="0" indent="0" algn="ctr" defTabSz="914400" rtl="1" eaLnBrk="1" fontAlgn="auto" latinLnBrk="0" hangingPunct="1">
-              <a:lnSpc>
-                <a:spcPct val="100000"/>
-              </a:lnSpc>
-              <a:spcBef>
-                <a:spcPts val="0"/>
-              </a:spcBef>
-              <a:spcAft>
-                <a:spcPts val="0"/>
-              </a:spcAft>
-              <a:buClrTx/>
-              <a:buSzTx/>
-              <a:buFontTx/>
-              <a:buNone/>
-              <a:tabLst/>
-              <a:defRPr/>
-            </a:pPr>
-            <a:r>
-              <a:rPr kumimoji="0" lang="he-IL" sz="2330" b="0" i="0" u="none" strike="noStrike" kern="1200" cap="none" spc="0" normalizeH="0" baseline="0" noProof="0" dirty="0">
-                <a:ln>
-                  <a:noFill/>
-                </a:ln>
+            <a:pPr algn="ctr" rtl="1"/>
+            <a:r>
+              <a:rPr lang="he-IL" sz="2330" dirty="0">
                 <a:solidFill>
-                  <a:prstClr val="black"/>
+                  <a:schemeClr val="tx1"/>
                 </a:solidFill>
-                <a:effectLst/>
-                <a:uLnTx/>
-                <a:uFillTx/>
                 <a:latin typeface="David" panose="020E0502060401010101" pitchFamily="34" charset="-79"/>
-                <a:ea typeface="+mn-ea"/>
                 <a:cs typeface="David" panose="020E0502060401010101" pitchFamily="34" charset="-79"/>
               </a:rPr>
               <a:t>המטלה שתבצע עכשיו דומה למטלה שביצעת קודם</a:t>
             </a:r>
           </a:p>
           <a:p>
-            <a:pPr marL="0" marR="0" lvl="0" indent="0" algn="ctr" defTabSz="914400" rtl="1" eaLnBrk="1" fontAlgn="auto" latinLnBrk="0" hangingPunct="1">
-              <a:lnSpc>
-                <a:spcPct val="100000"/>
-              </a:lnSpc>
-              <a:spcBef>
-                <a:spcPts val="0"/>
-              </a:spcBef>
-              <a:spcAft>
-                <a:spcPts val="0"/>
-              </a:spcAft>
-              <a:buClrTx/>
-              <a:buSzTx/>
-              <a:buFontTx/>
-              <a:buNone/>
-              <a:tabLst/>
-              <a:defRPr/>
-            </a:pPr>
-            <a:r>
-              <a:rPr kumimoji="0" lang="he-IL" sz="2330" b="0" i="0" u="none" strike="noStrike" kern="1200" cap="none" spc="0" normalizeH="0" baseline="0" noProof="0" dirty="0">
-                <a:ln>
-                  <a:noFill/>
-                </a:ln>
+            <a:pPr algn="ctr" rtl="1"/>
+            <a:r>
+              <a:rPr lang="he-IL" sz="2330" dirty="0">
                 <a:solidFill>
-                  <a:prstClr val="black"/>
+                  <a:schemeClr val="tx1"/>
                 </a:solidFill>
-                <a:effectLst/>
-                <a:uLnTx/>
-                <a:uFillTx/>
                 <a:latin typeface="David" panose="020E0502060401010101" pitchFamily="34" charset="-79"/>
-                <a:ea typeface="+mn-ea"/>
                 <a:cs typeface="David" panose="020E0502060401010101" pitchFamily="34" charset="-79"/>
               </a:rPr>
               <a:t>הפעם, לאחר כל מחשבה, </a:t>
             </a:r>
             <a:r>
-              <a:rPr kumimoji="0" lang="he-IL" sz="2330" b="1" i="0" u="none" strike="noStrike" kern="1200" cap="none" spc="0" normalizeH="0" baseline="0" noProof="0" dirty="0">
-                <a:ln>
-                  <a:noFill/>
-                </a:ln>
+              <a:rPr lang="he-IL" sz="2330" b="1" dirty="0">
                 <a:solidFill>
-                  <a:prstClr val="black"/>
+                  <a:schemeClr val="tx1"/>
                 </a:solidFill>
-                <a:effectLst/>
-                <a:uLnTx/>
-                <a:uFillTx/>
                 <a:latin typeface="David" panose="020E0502060401010101" pitchFamily="34" charset="-79"/>
-                <a:ea typeface="+mn-ea"/>
                 <a:cs typeface="David" panose="020E0502060401010101" pitchFamily="34" charset="-79"/>
               </a:rPr>
-              <a:t>יוצגו בפניך מספר ריבועים </a:t>
-            </a:r>
-            <a:r>
-              <a:rPr kumimoji="0" lang="he-IL" sz="2330" b="0" i="0" u="none" strike="noStrike" kern="1200" cap="none" spc="0" normalizeH="0" baseline="0" noProof="0" dirty="0">
-                <a:ln>
-                  <a:noFill/>
-                </a:ln>
+              <a:t>יוצגו בפניך 9 ריבועים ריקים </a:t>
+            </a:r>
+            <a:r>
+              <a:rPr lang="he-IL" sz="2330" dirty="0">
                 <a:solidFill>
-                  <a:prstClr val="black"/>
+                  <a:schemeClr val="tx1"/>
                 </a:solidFill>
-                <a:effectLst/>
-                <a:uLnTx/>
-                <a:uFillTx/>
                 <a:latin typeface="David" panose="020E0502060401010101" pitchFamily="34" charset="-79"/>
-                <a:ea typeface="+mn-ea"/>
                 <a:cs typeface="David" panose="020E0502060401010101" pitchFamily="34" charset="-79"/>
               </a:rPr>
               <a:t>ותתבקש\י להחליט </a:t>
             </a:r>
             <a:r>
-              <a:rPr kumimoji="0" lang="he-IL" sz="2330" b="1" i="0" u="none" strike="noStrike" kern="1200" cap="none" spc="0" normalizeH="0" baseline="0" noProof="0" dirty="0">
-                <a:ln>
-                  <a:noFill/>
-                </a:ln>
+              <a:rPr lang="he-IL" sz="2330" b="1" dirty="0">
                 <a:solidFill>
-                  <a:prstClr val="black"/>
+                  <a:schemeClr val="tx1"/>
                 </a:solidFill>
-                <a:effectLst/>
-                <a:uLnTx/>
-                <a:uFillTx/>
                 <a:latin typeface="David" panose="020E0502060401010101" pitchFamily="34" charset="-79"/>
-                <a:ea typeface="+mn-ea"/>
                 <a:cs typeface="David" panose="020E0502060401010101" pitchFamily="34" charset="-79"/>
               </a:rPr>
-              <a:t>האם מספר הריבועים גדול או קטן מ-5 </a:t>
-            </a:r>
-          </a:p>
-          <a:p>
-            <a:pPr marL="0" marR="0" lvl="0" indent="0" algn="ctr" defTabSz="914400" rtl="1" eaLnBrk="1" fontAlgn="auto" latinLnBrk="0" hangingPunct="1">
-              <a:lnSpc>
-                <a:spcPct val="100000"/>
-              </a:lnSpc>
-              <a:spcBef>
-                <a:spcPts val="0"/>
-              </a:spcBef>
-              <a:spcAft>
-                <a:spcPts val="0"/>
-              </a:spcAft>
-              <a:buClrTx/>
-              <a:buSzTx/>
-              <a:buFontTx/>
-              <a:buNone/>
-              <a:tabLst/>
-              <a:defRPr/>
-            </a:pPr>
-            <a:endParaRPr kumimoji="0" lang="he-IL" sz="2330" b="0" i="0" u="none" strike="noStrike" kern="1200" cap="none" spc="0" normalizeH="0" baseline="0" noProof="0" dirty="0">
-              <a:ln>
-                <a:noFill/>
-              </a:ln>
+              <a:t>האם מספר הריבועים המלאים (לבנים) גדול או קטן מ-5 </a:t>
+            </a:r>
+          </a:p>
+          <a:p>
+            <a:pPr algn="ctr" rtl="1"/>
+            <a:endParaRPr lang="he-IL" sz="2330" dirty="0">
               <a:solidFill>
-                <a:prstClr val="black"/>
+                <a:schemeClr val="tx1"/>
               </a:solidFill>
-              <a:effectLst/>
-              <a:uLnTx/>
-              <a:uFillTx/>
               <a:latin typeface="David" panose="020E0502060401010101" pitchFamily="34" charset="-79"/>
-              <a:ea typeface="+mn-ea"/>
               <a:cs typeface="David" panose="020E0502060401010101" pitchFamily="34" charset="-79"/>
             </a:endParaRPr>
           </a:p>
           <a:p>
-            <a:pPr marL="0" marR="0" lvl="0" indent="0" algn="ctr" defTabSz="914400" rtl="1" eaLnBrk="1" fontAlgn="auto" latinLnBrk="0" hangingPunct="1">
-              <a:lnSpc>
-                <a:spcPct val="100000"/>
-              </a:lnSpc>
-              <a:spcBef>
-                <a:spcPts val="0"/>
-              </a:spcBef>
-              <a:spcAft>
-                <a:spcPts val="0"/>
-              </a:spcAft>
-              <a:buClrTx/>
-              <a:buSzTx/>
-              <a:buFontTx/>
-              <a:buNone/>
-              <a:tabLst/>
-              <a:defRPr/>
-            </a:pPr>
-            <a:r>
-              <a:rPr kumimoji="0" lang="he-IL" sz="2330" b="0" i="0" u="none" strike="noStrike" kern="1200" cap="none" spc="0" normalizeH="0" baseline="0" noProof="0" dirty="0">
-                <a:ln>
-                  <a:noFill/>
-                </a:ln>
+            <a:pPr algn="ctr" rtl="1"/>
+            <a:r>
+              <a:rPr lang="he-IL" sz="2330" dirty="0">
                 <a:solidFill>
-                  <a:prstClr val="black"/>
+                  <a:schemeClr val="tx1"/>
                 </a:solidFill>
-                <a:effectLst/>
-                <a:uLnTx/>
-                <a:uFillTx/>
                 <a:latin typeface="David" panose="020E0502060401010101" pitchFamily="34" charset="-79"/>
-                <a:ea typeface="+mn-ea"/>
                 <a:cs typeface="David" panose="020E0502060401010101" pitchFamily="34" charset="-79"/>
               </a:rPr>
-              <a:t>יש ללחוץ במקלדת על מקש חץ מעלה כאשר מספר הריבועים גדול מ-5, </a:t>
-            </a:r>
-          </a:p>
-          <a:p>
-            <a:pPr marL="0" marR="0" lvl="0" indent="0" algn="ctr" defTabSz="914400" rtl="1" eaLnBrk="1" fontAlgn="auto" latinLnBrk="0" hangingPunct="1">
-              <a:lnSpc>
-                <a:spcPct val="100000"/>
-              </a:lnSpc>
-              <a:spcBef>
-                <a:spcPts val="0"/>
-              </a:spcBef>
-              <a:spcAft>
-                <a:spcPts val="0"/>
-              </a:spcAft>
-              <a:buClrTx/>
-              <a:buSzTx/>
-              <a:buFontTx/>
-              <a:buNone/>
-              <a:tabLst/>
-              <a:defRPr/>
-            </a:pPr>
-            <a:r>
-              <a:rPr kumimoji="0" lang="he-IL" sz="2330" b="0" i="0" u="none" strike="noStrike" kern="1200" cap="none" spc="0" normalizeH="0" baseline="0" noProof="0" dirty="0">
-                <a:ln>
-                  <a:noFill/>
-                </a:ln>
+              <a:t>יש ללחוץ במקלדת על מקש </a:t>
+            </a:r>
+            <a:r>
+              <a:rPr lang="he-IL" sz="2330" dirty="0" err="1">
                 <a:solidFill>
-                  <a:prstClr val="black"/>
+                  <a:schemeClr val="tx1"/>
                 </a:solidFill>
-                <a:effectLst/>
-                <a:uLnTx/>
-                <a:uFillTx/>
                 <a:latin typeface="David" panose="020E0502060401010101" pitchFamily="34" charset="-79"/>
-                <a:ea typeface="+mn-ea"/>
                 <a:cs typeface="David" panose="020E0502060401010101" pitchFamily="34" charset="-79"/>
               </a:rPr>
-              <a:t>ומקש חץ מטה כאשר מספר הריבועים קטן מ-5 </a:t>
-            </a:r>
-          </a:p>
-          <a:p>
-            <a:pPr marL="0" marR="0" lvl="0" indent="0" algn="ctr" defTabSz="914400" rtl="1" eaLnBrk="1" fontAlgn="auto" latinLnBrk="0" hangingPunct="1">
-              <a:lnSpc>
-                <a:spcPct val="100000"/>
-              </a:lnSpc>
-              <a:spcBef>
-                <a:spcPts val="0"/>
-              </a:spcBef>
-              <a:spcAft>
-                <a:spcPts val="0"/>
-              </a:spcAft>
-              <a:buClrTx/>
-              <a:buSzTx/>
-              <a:buFontTx/>
-              <a:buNone/>
-              <a:tabLst/>
-              <a:defRPr/>
-            </a:pPr>
-            <a:endParaRPr kumimoji="0" lang="he-IL" sz="2330" b="0" i="0" u="none" strike="noStrike" kern="1200" cap="none" spc="0" normalizeH="0" baseline="0" noProof="0" dirty="0">
-              <a:ln>
-                <a:noFill/>
-              </a:ln>
+              <a:t>שיפט</a:t>
+            </a:r>
+            <a:r>
+              <a:rPr lang="he-IL" sz="2330" dirty="0">
+                <a:solidFill>
+                  <a:schemeClr val="tx1"/>
+                </a:solidFill>
+                <a:latin typeface="David" panose="020E0502060401010101" pitchFamily="34" charset="-79"/>
+                <a:cs typeface="David" panose="020E0502060401010101" pitchFamily="34" charset="-79"/>
+              </a:rPr>
+              <a:t> (</a:t>
+            </a:r>
+            <a:r>
+              <a:rPr lang="en-GB" sz="2330" dirty="0">
+                <a:solidFill>
+                  <a:schemeClr val="tx1"/>
+                </a:solidFill>
+                <a:latin typeface="David" panose="020E0502060401010101" pitchFamily="34" charset="-79"/>
+                <a:cs typeface="David" panose="020E0502060401010101" pitchFamily="34" charset="-79"/>
+              </a:rPr>
+              <a:t>Shift</a:t>
+            </a:r>
+            <a:r>
+              <a:rPr lang="he-IL" sz="2330" dirty="0">
+                <a:solidFill>
+                  <a:schemeClr val="tx1"/>
+                </a:solidFill>
+                <a:latin typeface="David" panose="020E0502060401010101" pitchFamily="34" charset="-79"/>
+                <a:cs typeface="David" panose="020E0502060401010101" pitchFamily="34" charset="-79"/>
+              </a:rPr>
+              <a:t>) ימני כאשר מספר הריבועים המלאים גדול מ-5, ומקש </a:t>
+            </a:r>
+            <a:r>
+              <a:rPr lang="he-IL" sz="2330" dirty="0" err="1">
+                <a:solidFill>
+                  <a:schemeClr val="tx1"/>
+                </a:solidFill>
+                <a:latin typeface="David" panose="020E0502060401010101" pitchFamily="34" charset="-79"/>
+                <a:cs typeface="David" panose="020E0502060401010101" pitchFamily="34" charset="-79"/>
+              </a:rPr>
+              <a:t>שיפט</a:t>
+            </a:r>
+            <a:r>
+              <a:rPr lang="he-IL" sz="2330" dirty="0">
+                <a:solidFill>
+                  <a:schemeClr val="tx1"/>
+                </a:solidFill>
+                <a:latin typeface="David" panose="020E0502060401010101" pitchFamily="34" charset="-79"/>
+                <a:cs typeface="David" panose="020E0502060401010101" pitchFamily="34" charset="-79"/>
+              </a:rPr>
+              <a:t> שמאלי כאשר מספר הריבועים המלאים קטן מ-5 </a:t>
+            </a:r>
+          </a:p>
+          <a:p>
+            <a:pPr algn="ctr" rtl="1"/>
+            <a:endParaRPr lang="he-IL" sz="2330" dirty="0">
               <a:solidFill>
-                <a:prstClr val="black"/>
+                <a:schemeClr val="tx1"/>
               </a:solidFill>
-              <a:effectLst/>
-              <a:uLnTx/>
-              <a:uFillTx/>
               <a:latin typeface="David" panose="020E0502060401010101" pitchFamily="34" charset="-79"/>
-              <a:ea typeface="+mn-ea"/>
               <a:cs typeface="David" panose="020E0502060401010101" pitchFamily="34" charset="-79"/>
             </a:endParaRPr>
           </a:p>
           <a:p>
-            <a:pPr marL="0" marR="0" lvl="0" indent="0" algn="ctr" defTabSz="914400" rtl="1" eaLnBrk="1" fontAlgn="auto" latinLnBrk="0" hangingPunct="1">
-              <a:lnSpc>
-                <a:spcPct val="100000"/>
-              </a:lnSpc>
-              <a:spcBef>
-                <a:spcPts val="0"/>
-              </a:spcBef>
-              <a:spcAft>
-                <a:spcPts val="0"/>
-              </a:spcAft>
-              <a:buClrTx/>
-              <a:buSzTx/>
-              <a:buFontTx/>
-              <a:buNone/>
-              <a:tabLst/>
-              <a:defRPr/>
-            </a:pPr>
-            <a:endParaRPr kumimoji="0" lang="he-IL" sz="2330" b="0" i="0" u="none" strike="noStrike" kern="1200" cap="none" spc="0" normalizeH="0" baseline="0" noProof="0" dirty="0">
-              <a:ln>
-                <a:noFill/>
-              </a:ln>
+            <a:pPr algn="ctr" rtl="1"/>
+            <a:endParaRPr lang="he-IL" sz="2330" dirty="0">
               <a:solidFill>
-                <a:prstClr val="black"/>
+                <a:schemeClr val="tx1"/>
               </a:solidFill>
-              <a:effectLst/>
-              <a:uLnTx/>
-              <a:uFillTx/>
               <a:latin typeface="David" panose="020E0502060401010101" pitchFamily="34" charset="-79"/>
-              <a:ea typeface="+mn-ea"/>
               <a:cs typeface="David" panose="020E0502060401010101" pitchFamily="34" charset="-79"/>
             </a:endParaRPr>
           </a:p>
@@ -6922,36 +6787,13 @@
           <a:bodyPr lIns="160949" tIns="80476" rIns="160949" bIns="80476" rtlCol="1" anchor="ctr"/>
           <a:lstStyle/>
           <a:p>
-            <a:pPr marL="0" marR="0" lvl="0" indent="0" algn="ctr" defTabSz="914400" rtl="1" eaLnBrk="1" fontAlgn="auto" latinLnBrk="0" hangingPunct="1">
-              <a:lnSpc>
-                <a:spcPct val="100000"/>
-              </a:lnSpc>
-              <a:spcBef>
-                <a:spcPts val="0"/>
-              </a:spcBef>
-              <a:spcAft>
-                <a:spcPts val="0"/>
-              </a:spcAft>
-              <a:buClrTx/>
-              <a:buSzTx/>
-              <a:buFontTx/>
-              <a:buNone/>
-              <a:tabLst/>
-              <a:defRPr/>
-            </a:pPr>
-            <a:r>
-              <a:rPr kumimoji="0" lang="he-IL" sz="1937" b="0" i="0" u="none" strike="noStrike" kern="1200" cap="none" spc="0" normalizeH="0" baseline="0" noProof="0" dirty="0">
-                <a:ln>
-                  <a:noFill/>
-                </a:ln>
+            <a:pPr algn="ctr" rtl="1"/>
+            <a:r>
+              <a:rPr lang="he-IL" sz="1937" dirty="0">
                 <a:solidFill>
-                  <a:prstClr val="black"/>
+                  <a:schemeClr val="tx1"/>
                 </a:solidFill>
-                <a:effectLst/>
-                <a:uLnTx/>
-                <a:uFillTx/>
                 <a:latin typeface="David" panose="020E0502060401010101" pitchFamily="34" charset="-79"/>
-                <a:ea typeface="+mn-ea"/>
                 <a:cs typeface="David" panose="020E0502060401010101" pitchFamily="34" charset="-79"/>
               </a:rPr>
               <a:t>לחץ על אחד המקשים כדי להמשיך</a:t>
@@ -6961,10 +6803,10 @@
       </p:sp>
       <p:grpSp>
         <p:nvGrpSpPr>
-          <p:cNvPr id="7" name="Group 6">
+          <p:cNvPr id="41" name="Group 40">
             <a:extLst>
               <a:ext uri="{FF2B5EF4-FFF2-40B4-BE49-F238E27FC236}">
-                <a16:creationId xmlns:a16="http://schemas.microsoft.com/office/drawing/2014/main" id="{15F0128C-0B89-48F4-90F5-AD6DC284099F}"/>
+                <a16:creationId xmlns:a16="http://schemas.microsoft.com/office/drawing/2014/main" id="{99474291-53A3-42B1-868B-05E31DFE689C}"/>
               </a:ext>
             </a:extLst>
           </p:cNvPr>
@@ -6973,18 +6815,18 @@
         </p:nvGrpSpPr>
         <p:grpSpPr>
           <a:xfrm>
-            <a:off x="5215467" y="3868359"/>
-            <a:ext cx="1676400" cy="1417669"/>
-            <a:chOff x="4608974" y="1615133"/>
-            <a:chExt cx="1676400" cy="1417669"/>
+            <a:off x="2278814" y="4286864"/>
+            <a:ext cx="7634372" cy="756482"/>
+            <a:chOff x="2315874" y="4168877"/>
+            <a:chExt cx="7634372" cy="756482"/>
           </a:xfrm>
         </p:grpSpPr>
         <p:pic>
           <p:nvPicPr>
-            <p:cNvPr id="8" name="Picture 7">
+            <p:cNvPr id="11" name="Picture 10">
               <a:extLst>
                 <a:ext uri="{FF2B5EF4-FFF2-40B4-BE49-F238E27FC236}">
-                  <a16:creationId xmlns:a16="http://schemas.microsoft.com/office/drawing/2014/main" id="{3CFAEDBF-0EFB-4043-972D-752726835739}"/>
+                  <a16:creationId xmlns:a16="http://schemas.microsoft.com/office/drawing/2014/main" id="{C81C35C5-D351-4F39-8511-B7D1C28B3A4E}"/>
                 </a:ext>
               </a:extLst>
             </p:cNvPr>
@@ -6993,15 +6835,16 @@
             </p:cNvPicPr>
             <p:nvPr/>
           </p:nvPicPr>
-          <p:blipFill rotWithShape="1">
+          <p:blipFill>
             <a:blip r:embed="rId2"/>
-            <a:srcRect l="4541" r="8912"/>
-            <a:stretch/>
+            <a:stretch>
+              <a:fillRect/>
+            </a:stretch>
           </p:blipFill>
           <p:spPr>
             <a:xfrm>
-              <a:off x="4608974" y="1615133"/>
-              <a:ext cx="1676400" cy="1417669"/>
+              <a:off x="2315874" y="4168877"/>
+              <a:ext cx="7560252" cy="713228"/>
             </a:xfrm>
             <a:prstGeom prst="rect">
               <a:avLst/>
@@ -7010,10 +6853,10 @@
         </p:pic>
         <p:sp>
           <p:nvSpPr>
-            <p:cNvPr id="9" name="Rectangle 8">
+            <p:cNvPr id="12" name="Rectangle 11">
               <a:extLst>
                 <a:ext uri="{FF2B5EF4-FFF2-40B4-BE49-F238E27FC236}">
-                  <a16:creationId xmlns:a16="http://schemas.microsoft.com/office/drawing/2014/main" id="{6B79BCBB-6BDE-462E-95EA-A01DE463500B}"/>
+                  <a16:creationId xmlns:a16="http://schemas.microsoft.com/office/drawing/2014/main" id="{1EA5C344-4B87-4BA1-91C8-518F4DC7183A}"/>
                 </a:ext>
               </a:extLst>
             </p:cNvPr>
@@ -7022,14 +6865,18 @@
           </p:nvSpPr>
           <p:spPr>
             <a:xfrm>
-              <a:off x="4754880" y="1762298"/>
-              <a:ext cx="1341120" cy="631767"/>
+              <a:off x="2315874" y="4347168"/>
+              <a:ext cx="1209367" cy="578191"/>
             </a:xfrm>
             <a:prstGeom prst="rect">
               <a:avLst/>
             </a:prstGeom>
-            <a:noFill/>
-            <a:ln w="38100">
+            <a:solidFill>
+              <a:srgbClr val="FFFF00">
+                <a:alpha val="18039"/>
+              </a:srgbClr>
+            </a:solidFill>
+            <a:ln w="28575">
               <a:solidFill>
                 <a:srgbClr val="FF0000"/>
               </a:solidFill>
@@ -7055,46 +6902,52 @@
             <a:bodyPr rtlCol="0" anchor="ctr"/>
             <a:lstStyle/>
             <a:p>
-              <a:pPr marL="0" marR="0" lvl="0" indent="0" algn="ctr" defTabSz="914400" rtl="0" eaLnBrk="1" fontAlgn="auto" latinLnBrk="0" hangingPunct="1">
-                <a:lnSpc>
-                  <a:spcPct val="100000"/>
-                </a:lnSpc>
-                <a:spcBef>
-                  <a:spcPts val="0"/>
-                </a:spcBef>
-                <a:spcAft>
-                  <a:spcPts val="0"/>
-                </a:spcAft>
-                <a:buClrTx/>
-                <a:buSzTx/>
-                <a:buFontTx/>
-                <a:buNone/>
-                <a:tabLst/>
-                <a:defRPr/>
-              </a:pPr>
-              <a:endParaRPr kumimoji="0" lang="en-US" sz="1800" b="0" i="0" u="none" strike="noStrike" kern="1200" cap="none" spc="0" normalizeH="0" baseline="0" noProof="0">
-                <a:ln>
-                  <a:noFill/>
-                </a:ln>
+              <a:pPr algn="ctr"/>
+              <a:endParaRPr lang="he-IL" sz="1200" b="1" dirty="0">
                 <a:solidFill>
-                  <a:prstClr val="white"/>
+                  <a:srgbClr val="002060"/>
                 </a:solidFill>
-                <a:effectLst/>
-                <a:uLnTx/>
-                <a:uFillTx/>
-                <a:latin typeface="Calibri" panose="020F0502020204030204"/>
-                <a:ea typeface="+mn-ea"/>
-                <a:cs typeface="+mn-cs"/>
+              </a:endParaRPr>
+            </a:p>
+            <a:p>
+              <a:pPr algn="ctr"/>
+              <a:r>
+                <a:rPr lang="he-IL" sz="1200" b="1" u="sng" dirty="0">
+                  <a:solidFill>
+                    <a:srgbClr val="002060"/>
+                  </a:solidFill>
+                  <a:effectLst>
+                    <a:outerShdw blurRad="38100" dist="38100" dir="2700000" algn="tl">
+                      <a:srgbClr val="000000">
+                        <a:alpha val="43137"/>
+                      </a:srgbClr>
+                    </a:outerShdw>
+                  </a:effectLst>
+                </a:rPr>
+                <a:t>קטן</a:t>
+              </a:r>
+              <a:r>
+                <a:rPr lang="he-IL" sz="1200" b="1" dirty="0">
+                  <a:solidFill>
+                    <a:srgbClr val="002060"/>
+                  </a:solidFill>
+                </a:rPr>
+                <a:t> מ-5</a:t>
+              </a:r>
+              <a:endParaRPr lang="LID4096" sz="1200" b="1" dirty="0">
+                <a:solidFill>
+                  <a:srgbClr val="002060"/>
+                </a:solidFill>
               </a:endParaRPr>
             </a:p>
           </p:txBody>
         </p:sp>
         <p:sp>
           <p:nvSpPr>
-            <p:cNvPr id="10" name="Rectangle 9">
+            <p:cNvPr id="17" name="Rectangle 16">
               <a:extLst>
                 <a:ext uri="{FF2B5EF4-FFF2-40B4-BE49-F238E27FC236}">
-                  <a16:creationId xmlns:a16="http://schemas.microsoft.com/office/drawing/2014/main" id="{71A9E147-C8B8-400E-8E5C-D39AAC63114D}"/>
+                  <a16:creationId xmlns:a16="http://schemas.microsoft.com/office/drawing/2014/main" id="{FD4F1CFA-B122-4FDA-93A1-CBC1C2A58848}"/>
                 </a:ext>
               </a:extLst>
             </p:cNvPr>
@@ -7103,14 +6956,18 @@
           </p:nvSpPr>
           <p:spPr>
             <a:xfrm>
-              <a:off x="4754880" y="2377746"/>
-              <a:ext cx="1341120" cy="631767"/>
+              <a:off x="8666759" y="4252870"/>
+              <a:ext cx="1283487" cy="578191"/>
             </a:xfrm>
             <a:prstGeom prst="rect">
               <a:avLst/>
             </a:prstGeom>
-            <a:noFill/>
-            <a:ln w="38100">
+            <a:solidFill>
+              <a:srgbClr val="FFFF00">
+                <a:alpha val="18039"/>
+              </a:srgbClr>
+            </a:solidFill>
+            <a:ln w="28575">
               <a:solidFill>
                 <a:srgbClr val="FF0000"/>
               </a:solidFill>
@@ -7136,45 +6993,1102 @@
             <a:bodyPr rtlCol="0" anchor="ctr"/>
             <a:lstStyle/>
             <a:p>
-              <a:pPr marL="0" marR="0" lvl="0" indent="0" algn="ctr" defTabSz="914400" rtl="0" eaLnBrk="1" fontAlgn="auto" latinLnBrk="0" hangingPunct="1">
-                <a:lnSpc>
-                  <a:spcPct val="100000"/>
-                </a:lnSpc>
-                <a:spcBef>
-                  <a:spcPts val="0"/>
-                </a:spcBef>
-                <a:spcAft>
-                  <a:spcPts val="0"/>
-                </a:spcAft>
-                <a:buClrTx/>
-                <a:buSzTx/>
-                <a:buFontTx/>
-                <a:buNone/>
-                <a:tabLst/>
-                <a:defRPr/>
-              </a:pPr>
-              <a:endParaRPr kumimoji="0" lang="en-US" sz="1800" b="0" i="0" u="none" strike="noStrike" kern="1200" cap="none" spc="0" normalizeH="0" baseline="0" noProof="0">
-                <a:ln>
-                  <a:noFill/>
-                </a:ln>
+              <a:pPr algn="ctr"/>
+              <a:endParaRPr lang="he-IL" sz="1200" b="1" dirty="0">
                 <a:solidFill>
-                  <a:prstClr val="white"/>
+                  <a:srgbClr val="002060"/>
                 </a:solidFill>
-                <a:effectLst/>
-                <a:uLnTx/>
-                <a:uFillTx/>
-                <a:latin typeface="Calibri" panose="020F0502020204030204"/>
-                <a:ea typeface="+mn-ea"/>
-                <a:cs typeface="+mn-cs"/>
+              </a:endParaRPr>
+            </a:p>
+            <a:p>
+              <a:pPr algn="ctr"/>
+              <a:r>
+                <a:rPr lang="he-IL" sz="1200" b="1" u="sng" dirty="0">
+                  <a:solidFill>
+                    <a:srgbClr val="002060"/>
+                  </a:solidFill>
+                  <a:effectLst>
+                    <a:outerShdw blurRad="38100" dist="38100" dir="2700000" algn="tl">
+                      <a:srgbClr val="000000">
+                        <a:alpha val="43137"/>
+                      </a:srgbClr>
+                    </a:outerShdw>
+                  </a:effectLst>
+                </a:rPr>
+                <a:t>גדול</a:t>
+              </a:r>
+              <a:r>
+                <a:rPr lang="he-IL" sz="1200" b="1" dirty="0">
+                  <a:solidFill>
+                    <a:srgbClr val="002060"/>
+                  </a:solidFill>
+                </a:rPr>
+                <a:t> מ-5</a:t>
+              </a:r>
+              <a:endParaRPr lang="LID4096" sz="1200" b="1" dirty="0">
+                <a:solidFill>
+                  <a:srgbClr val="002060"/>
+                </a:solidFill>
               </a:endParaRPr>
             </a:p>
           </p:txBody>
         </p:sp>
       </p:grpSp>
+      <p:sp>
+        <p:nvSpPr>
+          <p:cNvPr id="18" name="Rectangle 17">
+            <a:extLst>
+              <a:ext uri="{FF2B5EF4-FFF2-40B4-BE49-F238E27FC236}">
+                <a16:creationId xmlns:a16="http://schemas.microsoft.com/office/drawing/2014/main" id="{D23ED882-E238-457B-957A-5E73A3A652E6}"/>
+              </a:ext>
+            </a:extLst>
+          </p:cNvPr>
+          <p:cNvSpPr/>
+          <p:nvPr/>
+        </p:nvSpPr>
+        <p:spPr>
+          <a:xfrm>
+            <a:off x="252543" y="2542950"/>
+            <a:ext cx="467032" cy="467032"/>
+          </a:xfrm>
+          <a:prstGeom prst="rect">
+            <a:avLst/>
+          </a:prstGeom>
+          <a:solidFill>
+            <a:schemeClr val="bg1"/>
+          </a:solidFill>
+          <a:ln w="19050">
+            <a:solidFill>
+              <a:schemeClr val="bg1"/>
+            </a:solidFill>
+          </a:ln>
+        </p:spPr>
+        <p:style>
+          <a:lnRef idx="2">
+            <a:schemeClr val="dk1">
+              <a:shade val="50000"/>
+            </a:schemeClr>
+          </a:lnRef>
+          <a:fillRef idx="1">
+            <a:schemeClr val="dk1"/>
+          </a:fillRef>
+          <a:effectRef idx="0">
+            <a:schemeClr val="dk1"/>
+          </a:effectRef>
+          <a:fontRef idx="minor">
+            <a:schemeClr val="lt1"/>
+          </a:fontRef>
+        </p:style>
+        <p:txBody>
+          <a:bodyPr rtlCol="0" anchor="ctr"/>
+          <a:lstStyle/>
+          <a:p>
+            <a:pPr algn="ctr"/>
+            <a:endParaRPr lang="LID4096"/>
+          </a:p>
+        </p:txBody>
+      </p:sp>
+      <p:sp>
+        <p:nvSpPr>
+          <p:cNvPr id="20" name="Rectangle 19">
+            <a:extLst>
+              <a:ext uri="{FF2B5EF4-FFF2-40B4-BE49-F238E27FC236}">
+                <a16:creationId xmlns:a16="http://schemas.microsoft.com/office/drawing/2014/main" id="{A7CCE37D-CBC4-4E0C-ADDA-B572A145365F}"/>
+              </a:ext>
+            </a:extLst>
+          </p:cNvPr>
+          <p:cNvSpPr/>
+          <p:nvPr/>
+        </p:nvSpPr>
+        <p:spPr>
+          <a:xfrm>
+            <a:off x="1337148" y="2542950"/>
+            <a:ext cx="467032" cy="467032"/>
+          </a:xfrm>
+          <a:prstGeom prst="rect">
+            <a:avLst/>
+          </a:prstGeom>
+          <a:ln w="19050">
+            <a:solidFill>
+              <a:schemeClr val="bg1"/>
+            </a:solidFill>
+          </a:ln>
+        </p:spPr>
+        <p:style>
+          <a:lnRef idx="2">
+            <a:schemeClr val="dk1">
+              <a:shade val="50000"/>
+            </a:schemeClr>
+          </a:lnRef>
+          <a:fillRef idx="1">
+            <a:schemeClr val="dk1"/>
+          </a:fillRef>
+          <a:effectRef idx="0">
+            <a:schemeClr val="dk1"/>
+          </a:effectRef>
+          <a:fontRef idx="minor">
+            <a:schemeClr val="lt1"/>
+          </a:fontRef>
+        </p:style>
+        <p:txBody>
+          <a:bodyPr rtlCol="0" anchor="ctr"/>
+          <a:lstStyle/>
+          <a:p>
+            <a:pPr algn="ctr"/>
+            <a:endParaRPr lang="LID4096"/>
+          </a:p>
+        </p:txBody>
+      </p:sp>
+      <p:sp>
+        <p:nvSpPr>
+          <p:cNvPr id="23" name="Rectangle 22">
+            <a:extLst>
+              <a:ext uri="{FF2B5EF4-FFF2-40B4-BE49-F238E27FC236}">
+                <a16:creationId xmlns:a16="http://schemas.microsoft.com/office/drawing/2014/main" id="{047AE0F1-09A3-429D-8138-AAD28E63DC17}"/>
+              </a:ext>
+            </a:extLst>
+          </p:cNvPr>
+          <p:cNvSpPr/>
+          <p:nvPr/>
+        </p:nvSpPr>
+        <p:spPr>
+          <a:xfrm>
+            <a:off x="794845" y="2542950"/>
+            <a:ext cx="467032" cy="467032"/>
+          </a:xfrm>
+          <a:prstGeom prst="rect">
+            <a:avLst/>
+          </a:prstGeom>
+          <a:ln w="19050">
+            <a:solidFill>
+              <a:schemeClr val="bg1"/>
+            </a:solidFill>
+          </a:ln>
+        </p:spPr>
+        <p:style>
+          <a:lnRef idx="2">
+            <a:schemeClr val="dk1">
+              <a:shade val="50000"/>
+            </a:schemeClr>
+          </a:lnRef>
+          <a:fillRef idx="1">
+            <a:schemeClr val="dk1"/>
+          </a:fillRef>
+          <a:effectRef idx="0">
+            <a:schemeClr val="dk1"/>
+          </a:effectRef>
+          <a:fontRef idx="minor">
+            <a:schemeClr val="lt1"/>
+          </a:fontRef>
+        </p:style>
+        <p:txBody>
+          <a:bodyPr rtlCol="0" anchor="ctr"/>
+          <a:lstStyle/>
+          <a:p>
+            <a:pPr algn="ctr"/>
+            <a:endParaRPr lang="LID4096"/>
+          </a:p>
+        </p:txBody>
+      </p:sp>
+      <p:sp>
+        <p:nvSpPr>
+          <p:cNvPr id="24" name="Rectangle 23">
+            <a:extLst>
+              <a:ext uri="{FF2B5EF4-FFF2-40B4-BE49-F238E27FC236}">
+                <a16:creationId xmlns:a16="http://schemas.microsoft.com/office/drawing/2014/main" id="{D9C62966-FAA4-43C6-B0A0-F6D066A233A1}"/>
+              </a:ext>
+            </a:extLst>
+          </p:cNvPr>
+          <p:cNvSpPr/>
+          <p:nvPr/>
+        </p:nvSpPr>
+        <p:spPr>
+          <a:xfrm>
+            <a:off x="252543" y="3127550"/>
+            <a:ext cx="467032" cy="467032"/>
+          </a:xfrm>
+          <a:prstGeom prst="rect">
+            <a:avLst/>
+          </a:prstGeom>
+          <a:ln w="19050">
+            <a:solidFill>
+              <a:schemeClr val="bg1"/>
+            </a:solidFill>
+          </a:ln>
+        </p:spPr>
+        <p:style>
+          <a:lnRef idx="2">
+            <a:schemeClr val="dk1">
+              <a:shade val="50000"/>
+            </a:schemeClr>
+          </a:lnRef>
+          <a:fillRef idx="1">
+            <a:schemeClr val="dk1"/>
+          </a:fillRef>
+          <a:effectRef idx="0">
+            <a:schemeClr val="dk1"/>
+          </a:effectRef>
+          <a:fontRef idx="minor">
+            <a:schemeClr val="lt1"/>
+          </a:fontRef>
+        </p:style>
+        <p:txBody>
+          <a:bodyPr rtlCol="0" anchor="ctr"/>
+          <a:lstStyle/>
+          <a:p>
+            <a:pPr algn="ctr"/>
+            <a:endParaRPr lang="LID4096"/>
+          </a:p>
+        </p:txBody>
+      </p:sp>
+      <p:sp>
+        <p:nvSpPr>
+          <p:cNvPr id="25" name="Rectangle 24">
+            <a:extLst>
+              <a:ext uri="{FF2B5EF4-FFF2-40B4-BE49-F238E27FC236}">
+                <a16:creationId xmlns:a16="http://schemas.microsoft.com/office/drawing/2014/main" id="{AAD65A8C-1B5F-4FEF-B7D4-6D14F5471C15}"/>
+              </a:ext>
+            </a:extLst>
+          </p:cNvPr>
+          <p:cNvSpPr/>
+          <p:nvPr/>
+        </p:nvSpPr>
+        <p:spPr>
+          <a:xfrm>
+            <a:off x="1337148" y="3127550"/>
+            <a:ext cx="467032" cy="467032"/>
+          </a:xfrm>
+          <a:prstGeom prst="rect">
+            <a:avLst/>
+          </a:prstGeom>
+          <a:solidFill>
+            <a:schemeClr val="bg1"/>
+          </a:solidFill>
+          <a:ln w="19050">
+            <a:solidFill>
+              <a:schemeClr val="bg1"/>
+            </a:solidFill>
+          </a:ln>
+        </p:spPr>
+        <p:style>
+          <a:lnRef idx="2">
+            <a:schemeClr val="dk1">
+              <a:shade val="50000"/>
+            </a:schemeClr>
+          </a:lnRef>
+          <a:fillRef idx="1">
+            <a:schemeClr val="dk1"/>
+          </a:fillRef>
+          <a:effectRef idx="0">
+            <a:schemeClr val="dk1"/>
+          </a:effectRef>
+          <a:fontRef idx="minor">
+            <a:schemeClr val="lt1"/>
+          </a:fontRef>
+        </p:style>
+        <p:txBody>
+          <a:bodyPr rtlCol="0" anchor="ctr"/>
+          <a:lstStyle/>
+          <a:p>
+            <a:pPr algn="ctr"/>
+            <a:endParaRPr lang="LID4096"/>
+          </a:p>
+        </p:txBody>
+      </p:sp>
+      <p:sp>
+        <p:nvSpPr>
+          <p:cNvPr id="26" name="Rectangle 25">
+            <a:extLst>
+              <a:ext uri="{FF2B5EF4-FFF2-40B4-BE49-F238E27FC236}">
+                <a16:creationId xmlns:a16="http://schemas.microsoft.com/office/drawing/2014/main" id="{F927F18B-F39D-431F-9DF7-DD712E706918}"/>
+              </a:ext>
+            </a:extLst>
+          </p:cNvPr>
+          <p:cNvSpPr/>
+          <p:nvPr/>
+        </p:nvSpPr>
+        <p:spPr>
+          <a:xfrm>
+            <a:off x="794845" y="3127550"/>
+            <a:ext cx="467032" cy="467032"/>
+          </a:xfrm>
+          <a:prstGeom prst="rect">
+            <a:avLst/>
+          </a:prstGeom>
+          <a:solidFill>
+            <a:schemeClr val="bg1"/>
+          </a:solidFill>
+          <a:ln w="19050">
+            <a:solidFill>
+              <a:schemeClr val="bg1"/>
+            </a:solidFill>
+          </a:ln>
+        </p:spPr>
+        <p:style>
+          <a:lnRef idx="2">
+            <a:schemeClr val="dk1">
+              <a:shade val="50000"/>
+            </a:schemeClr>
+          </a:lnRef>
+          <a:fillRef idx="1">
+            <a:schemeClr val="dk1"/>
+          </a:fillRef>
+          <a:effectRef idx="0">
+            <a:schemeClr val="dk1"/>
+          </a:effectRef>
+          <a:fontRef idx="minor">
+            <a:schemeClr val="lt1"/>
+          </a:fontRef>
+        </p:style>
+        <p:txBody>
+          <a:bodyPr rtlCol="0" anchor="ctr"/>
+          <a:lstStyle/>
+          <a:p>
+            <a:pPr algn="ctr"/>
+            <a:endParaRPr lang="LID4096"/>
+          </a:p>
+        </p:txBody>
+      </p:sp>
+      <p:sp>
+        <p:nvSpPr>
+          <p:cNvPr id="27" name="Rectangle 26">
+            <a:extLst>
+              <a:ext uri="{FF2B5EF4-FFF2-40B4-BE49-F238E27FC236}">
+                <a16:creationId xmlns:a16="http://schemas.microsoft.com/office/drawing/2014/main" id="{F82C9E8D-D64E-4D94-B50E-5BCB910A0755}"/>
+              </a:ext>
+            </a:extLst>
+          </p:cNvPr>
+          <p:cNvSpPr/>
+          <p:nvPr/>
+        </p:nvSpPr>
+        <p:spPr>
+          <a:xfrm>
+            <a:off x="252543" y="3701845"/>
+            <a:ext cx="467032" cy="467032"/>
+          </a:xfrm>
+          <a:prstGeom prst="rect">
+            <a:avLst/>
+          </a:prstGeom>
+          <a:ln w="19050">
+            <a:solidFill>
+              <a:schemeClr val="bg1"/>
+            </a:solidFill>
+          </a:ln>
+        </p:spPr>
+        <p:style>
+          <a:lnRef idx="2">
+            <a:schemeClr val="dk1">
+              <a:shade val="50000"/>
+            </a:schemeClr>
+          </a:lnRef>
+          <a:fillRef idx="1">
+            <a:schemeClr val="dk1"/>
+          </a:fillRef>
+          <a:effectRef idx="0">
+            <a:schemeClr val="dk1"/>
+          </a:effectRef>
+          <a:fontRef idx="minor">
+            <a:schemeClr val="lt1"/>
+          </a:fontRef>
+        </p:style>
+        <p:txBody>
+          <a:bodyPr rtlCol="0" anchor="ctr"/>
+          <a:lstStyle/>
+          <a:p>
+            <a:pPr algn="ctr"/>
+            <a:endParaRPr lang="LID4096"/>
+          </a:p>
+        </p:txBody>
+      </p:sp>
+      <p:sp>
+        <p:nvSpPr>
+          <p:cNvPr id="28" name="Rectangle 27">
+            <a:extLst>
+              <a:ext uri="{FF2B5EF4-FFF2-40B4-BE49-F238E27FC236}">
+                <a16:creationId xmlns:a16="http://schemas.microsoft.com/office/drawing/2014/main" id="{05EAEF99-FF7D-4318-9049-A2A46D05E4F3}"/>
+              </a:ext>
+            </a:extLst>
+          </p:cNvPr>
+          <p:cNvSpPr/>
+          <p:nvPr/>
+        </p:nvSpPr>
+        <p:spPr>
+          <a:xfrm>
+            <a:off x="1337148" y="3701845"/>
+            <a:ext cx="467032" cy="467032"/>
+          </a:xfrm>
+          <a:prstGeom prst="rect">
+            <a:avLst/>
+          </a:prstGeom>
+          <a:ln w="19050">
+            <a:solidFill>
+              <a:schemeClr val="bg1"/>
+            </a:solidFill>
+          </a:ln>
+        </p:spPr>
+        <p:style>
+          <a:lnRef idx="2">
+            <a:schemeClr val="dk1">
+              <a:shade val="50000"/>
+            </a:schemeClr>
+          </a:lnRef>
+          <a:fillRef idx="1">
+            <a:schemeClr val="dk1"/>
+          </a:fillRef>
+          <a:effectRef idx="0">
+            <a:schemeClr val="dk1"/>
+          </a:effectRef>
+          <a:fontRef idx="minor">
+            <a:schemeClr val="lt1"/>
+          </a:fontRef>
+        </p:style>
+        <p:txBody>
+          <a:bodyPr rtlCol="0" anchor="ctr"/>
+          <a:lstStyle/>
+          <a:p>
+            <a:pPr algn="ctr"/>
+            <a:endParaRPr lang="LID4096"/>
+          </a:p>
+        </p:txBody>
+      </p:sp>
+      <p:sp>
+        <p:nvSpPr>
+          <p:cNvPr id="29" name="Rectangle 28">
+            <a:extLst>
+              <a:ext uri="{FF2B5EF4-FFF2-40B4-BE49-F238E27FC236}">
+                <a16:creationId xmlns:a16="http://schemas.microsoft.com/office/drawing/2014/main" id="{F4761FEF-C709-4BAE-A079-7389F8A95D62}"/>
+              </a:ext>
+            </a:extLst>
+          </p:cNvPr>
+          <p:cNvSpPr/>
+          <p:nvPr/>
+        </p:nvSpPr>
+        <p:spPr>
+          <a:xfrm>
+            <a:off x="794845" y="3701845"/>
+            <a:ext cx="467032" cy="467032"/>
+          </a:xfrm>
+          <a:prstGeom prst="rect">
+            <a:avLst/>
+          </a:prstGeom>
+          <a:ln w="19050">
+            <a:solidFill>
+              <a:schemeClr val="bg1"/>
+            </a:solidFill>
+          </a:ln>
+        </p:spPr>
+        <p:style>
+          <a:lnRef idx="2">
+            <a:schemeClr val="dk1">
+              <a:shade val="50000"/>
+            </a:schemeClr>
+          </a:lnRef>
+          <a:fillRef idx="1">
+            <a:schemeClr val="dk1"/>
+          </a:fillRef>
+          <a:effectRef idx="0">
+            <a:schemeClr val="dk1"/>
+          </a:effectRef>
+          <a:fontRef idx="minor">
+            <a:schemeClr val="lt1"/>
+          </a:fontRef>
+        </p:style>
+        <p:txBody>
+          <a:bodyPr rtlCol="0" anchor="ctr"/>
+          <a:lstStyle/>
+          <a:p>
+            <a:pPr algn="ctr"/>
+            <a:endParaRPr lang="LID4096"/>
+          </a:p>
+        </p:txBody>
+      </p:sp>
+      <p:sp>
+        <p:nvSpPr>
+          <p:cNvPr id="30" name="TextBox 29">
+            <a:extLst>
+              <a:ext uri="{FF2B5EF4-FFF2-40B4-BE49-F238E27FC236}">
+                <a16:creationId xmlns:a16="http://schemas.microsoft.com/office/drawing/2014/main" id="{3B827FF5-3219-4125-9C52-E75440DFE733}"/>
+              </a:ext>
+            </a:extLst>
+          </p:cNvPr>
+          <p:cNvSpPr txBox="1"/>
+          <p:nvPr/>
+        </p:nvSpPr>
+        <p:spPr>
+          <a:xfrm>
+            <a:off x="581231" y="1972057"/>
+            <a:ext cx="931665" cy="369332"/>
+          </a:xfrm>
+          <a:prstGeom prst="rect">
+            <a:avLst/>
+          </a:prstGeom>
+          <a:noFill/>
+        </p:spPr>
+        <p:txBody>
+          <a:bodyPr wrap="none" rtlCol="0">
+            <a:spAutoFit/>
+          </a:bodyPr>
+          <a:lstStyle/>
+          <a:p>
+            <a:r>
+              <a:rPr lang="he-IL" b="1" u="sng" dirty="0">
+                <a:solidFill>
+                  <a:schemeClr val="bg1"/>
+                </a:solidFill>
+              </a:rPr>
+              <a:t>קטן</a:t>
+            </a:r>
+            <a:r>
+              <a:rPr lang="he-IL" dirty="0">
+                <a:solidFill>
+                  <a:schemeClr val="bg1"/>
+                </a:solidFill>
+              </a:rPr>
+              <a:t> מ-5</a:t>
+            </a:r>
+            <a:endParaRPr lang="LID4096" dirty="0">
+              <a:solidFill>
+                <a:schemeClr val="bg1"/>
+              </a:solidFill>
+            </a:endParaRPr>
+          </a:p>
+        </p:txBody>
+      </p:sp>
+      <p:sp>
+        <p:nvSpPr>
+          <p:cNvPr id="31" name="Rectangle 30">
+            <a:extLst>
+              <a:ext uri="{FF2B5EF4-FFF2-40B4-BE49-F238E27FC236}">
+                <a16:creationId xmlns:a16="http://schemas.microsoft.com/office/drawing/2014/main" id="{20090C59-3919-4AD3-BF07-C62E7126D0CB}"/>
+              </a:ext>
+            </a:extLst>
+          </p:cNvPr>
+          <p:cNvSpPr/>
+          <p:nvPr/>
+        </p:nvSpPr>
+        <p:spPr>
+          <a:xfrm>
+            <a:off x="10357582" y="2542950"/>
+            <a:ext cx="467032" cy="467032"/>
+          </a:xfrm>
+          <a:prstGeom prst="rect">
+            <a:avLst/>
+          </a:prstGeom>
+          <a:noFill/>
+          <a:ln w="19050">
+            <a:solidFill>
+              <a:schemeClr val="bg1"/>
+            </a:solidFill>
+          </a:ln>
+        </p:spPr>
+        <p:style>
+          <a:lnRef idx="2">
+            <a:schemeClr val="dk1">
+              <a:shade val="50000"/>
+            </a:schemeClr>
+          </a:lnRef>
+          <a:fillRef idx="1">
+            <a:schemeClr val="dk1"/>
+          </a:fillRef>
+          <a:effectRef idx="0">
+            <a:schemeClr val="dk1"/>
+          </a:effectRef>
+          <a:fontRef idx="minor">
+            <a:schemeClr val="lt1"/>
+          </a:fontRef>
+        </p:style>
+        <p:txBody>
+          <a:bodyPr rtlCol="0" anchor="ctr"/>
+          <a:lstStyle/>
+          <a:p>
+            <a:pPr algn="ctr"/>
+            <a:endParaRPr lang="LID4096"/>
+          </a:p>
+        </p:txBody>
+      </p:sp>
+      <p:sp>
+        <p:nvSpPr>
+          <p:cNvPr id="32" name="Rectangle 31">
+            <a:extLst>
+              <a:ext uri="{FF2B5EF4-FFF2-40B4-BE49-F238E27FC236}">
+                <a16:creationId xmlns:a16="http://schemas.microsoft.com/office/drawing/2014/main" id="{239F46C5-0747-4221-8C43-5BDDCEA6F53B}"/>
+              </a:ext>
+            </a:extLst>
+          </p:cNvPr>
+          <p:cNvSpPr/>
+          <p:nvPr/>
+        </p:nvSpPr>
+        <p:spPr>
+          <a:xfrm>
+            <a:off x="11442187" y="2542950"/>
+            <a:ext cx="467032" cy="467032"/>
+          </a:xfrm>
+          <a:prstGeom prst="rect">
+            <a:avLst/>
+          </a:prstGeom>
+          <a:solidFill>
+            <a:schemeClr val="bg1"/>
+          </a:solidFill>
+          <a:ln w="19050">
+            <a:solidFill>
+              <a:schemeClr val="bg1"/>
+            </a:solidFill>
+          </a:ln>
+        </p:spPr>
+        <p:style>
+          <a:lnRef idx="2">
+            <a:schemeClr val="dk1">
+              <a:shade val="50000"/>
+            </a:schemeClr>
+          </a:lnRef>
+          <a:fillRef idx="1">
+            <a:schemeClr val="dk1"/>
+          </a:fillRef>
+          <a:effectRef idx="0">
+            <a:schemeClr val="dk1"/>
+          </a:effectRef>
+          <a:fontRef idx="minor">
+            <a:schemeClr val="lt1"/>
+          </a:fontRef>
+        </p:style>
+        <p:txBody>
+          <a:bodyPr rtlCol="0" anchor="ctr"/>
+          <a:lstStyle/>
+          <a:p>
+            <a:pPr algn="ctr"/>
+            <a:endParaRPr lang="LID4096"/>
+          </a:p>
+        </p:txBody>
+      </p:sp>
+      <p:sp>
+        <p:nvSpPr>
+          <p:cNvPr id="33" name="Rectangle 32">
+            <a:extLst>
+              <a:ext uri="{FF2B5EF4-FFF2-40B4-BE49-F238E27FC236}">
+                <a16:creationId xmlns:a16="http://schemas.microsoft.com/office/drawing/2014/main" id="{C29FE196-4582-4D57-8F50-48A3490B8369}"/>
+              </a:ext>
+            </a:extLst>
+          </p:cNvPr>
+          <p:cNvSpPr/>
+          <p:nvPr/>
+        </p:nvSpPr>
+        <p:spPr>
+          <a:xfrm>
+            <a:off x="10899884" y="2542950"/>
+            <a:ext cx="467032" cy="467032"/>
+          </a:xfrm>
+          <a:prstGeom prst="rect">
+            <a:avLst/>
+          </a:prstGeom>
+          <a:solidFill>
+            <a:schemeClr val="bg1"/>
+          </a:solidFill>
+          <a:ln w="19050">
+            <a:solidFill>
+              <a:schemeClr val="bg1"/>
+            </a:solidFill>
+          </a:ln>
+        </p:spPr>
+        <p:style>
+          <a:lnRef idx="2">
+            <a:schemeClr val="dk1">
+              <a:shade val="50000"/>
+            </a:schemeClr>
+          </a:lnRef>
+          <a:fillRef idx="1">
+            <a:schemeClr val="dk1"/>
+          </a:fillRef>
+          <a:effectRef idx="0">
+            <a:schemeClr val="dk1"/>
+          </a:effectRef>
+          <a:fontRef idx="minor">
+            <a:schemeClr val="lt1"/>
+          </a:fontRef>
+        </p:style>
+        <p:txBody>
+          <a:bodyPr rtlCol="0" anchor="ctr"/>
+          <a:lstStyle/>
+          <a:p>
+            <a:pPr algn="ctr"/>
+            <a:endParaRPr lang="LID4096"/>
+          </a:p>
+        </p:txBody>
+      </p:sp>
+      <p:sp>
+        <p:nvSpPr>
+          <p:cNvPr id="34" name="Rectangle 33">
+            <a:extLst>
+              <a:ext uri="{FF2B5EF4-FFF2-40B4-BE49-F238E27FC236}">
+                <a16:creationId xmlns:a16="http://schemas.microsoft.com/office/drawing/2014/main" id="{2BE3AADA-E4BD-431B-BE29-87237DD92AF9}"/>
+              </a:ext>
+            </a:extLst>
+          </p:cNvPr>
+          <p:cNvSpPr/>
+          <p:nvPr/>
+        </p:nvSpPr>
+        <p:spPr>
+          <a:xfrm>
+            <a:off x="10357582" y="3127550"/>
+            <a:ext cx="467032" cy="467032"/>
+          </a:xfrm>
+          <a:prstGeom prst="rect">
+            <a:avLst/>
+          </a:prstGeom>
+          <a:solidFill>
+            <a:schemeClr val="bg1"/>
+          </a:solidFill>
+          <a:ln w="19050">
+            <a:solidFill>
+              <a:schemeClr val="bg1"/>
+            </a:solidFill>
+          </a:ln>
+        </p:spPr>
+        <p:style>
+          <a:lnRef idx="2">
+            <a:schemeClr val="dk1">
+              <a:shade val="50000"/>
+            </a:schemeClr>
+          </a:lnRef>
+          <a:fillRef idx="1">
+            <a:schemeClr val="dk1"/>
+          </a:fillRef>
+          <a:effectRef idx="0">
+            <a:schemeClr val="dk1"/>
+          </a:effectRef>
+          <a:fontRef idx="minor">
+            <a:schemeClr val="lt1"/>
+          </a:fontRef>
+        </p:style>
+        <p:txBody>
+          <a:bodyPr rtlCol="0" anchor="ctr"/>
+          <a:lstStyle/>
+          <a:p>
+            <a:pPr algn="ctr"/>
+            <a:endParaRPr lang="LID4096"/>
+          </a:p>
+        </p:txBody>
+      </p:sp>
+      <p:sp>
+        <p:nvSpPr>
+          <p:cNvPr id="35" name="Rectangle 34">
+            <a:extLst>
+              <a:ext uri="{FF2B5EF4-FFF2-40B4-BE49-F238E27FC236}">
+                <a16:creationId xmlns:a16="http://schemas.microsoft.com/office/drawing/2014/main" id="{B31678CE-F7F3-4758-9B67-04D03F01AF3C}"/>
+              </a:ext>
+            </a:extLst>
+          </p:cNvPr>
+          <p:cNvSpPr/>
+          <p:nvPr/>
+        </p:nvSpPr>
+        <p:spPr>
+          <a:xfrm>
+            <a:off x="11442187" y="3127550"/>
+            <a:ext cx="467032" cy="467032"/>
+          </a:xfrm>
+          <a:prstGeom prst="rect">
+            <a:avLst/>
+          </a:prstGeom>
+          <a:noFill/>
+          <a:ln w="19050">
+            <a:solidFill>
+              <a:schemeClr val="bg1"/>
+            </a:solidFill>
+          </a:ln>
+        </p:spPr>
+        <p:style>
+          <a:lnRef idx="2">
+            <a:schemeClr val="dk1">
+              <a:shade val="50000"/>
+            </a:schemeClr>
+          </a:lnRef>
+          <a:fillRef idx="1">
+            <a:schemeClr val="dk1"/>
+          </a:fillRef>
+          <a:effectRef idx="0">
+            <a:schemeClr val="dk1"/>
+          </a:effectRef>
+          <a:fontRef idx="minor">
+            <a:schemeClr val="lt1"/>
+          </a:fontRef>
+        </p:style>
+        <p:txBody>
+          <a:bodyPr rtlCol="0" anchor="ctr"/>
+          <a:lstStyle/>
+          <a:p>
+            <a:pPr algn="ctr"/>
+            <a:endParaRPr lang="LID4096"/>
+          </a:p>
+        </p:txBody>
+      </p:sp>
+      <p:sp>
+        <p:nvSpPr>
+          <p:cNvPr id="36" name="Rectangle 35">
+            <a:extLst>
+              <a:ext uri="{FF2B5EF4-FFF2-40B4-BE49-F238E27FC236}">
+                <a16:creationId xmlns:a16="http://schemas.microsoft.com/office/drawing/2014/main" id="{3DAC11D7-BA02-4F30-BE3E-C50888804659}"/>
+              </a:ext>
+            </a:extLst>
+          </p:cNvPr>
+          <p:cNvSpPr/>
+          <p:nvPr/>
+        </p:nvSpPr>
+        <p:spPr>
+          <a:xfrm>
+            <a:off x="10899884" y="3127550"/>
+            <a:ext cx="467032" cy="467032"/>
+          </a:xfrm>
+          <a:prstGeom prst="rect">
+            <a:avLst/>
+          </a:prstGeom>
+          <a:solidFill>
+            <a:schemeClr val="bg1"/>
+          </a:solidFill>
+          <a:ln w="19050">
+            <a:solidFill>
+              <a:schemeClr val="bg1"/>
+            </a:solidFill>
+          </a:ln>
+        </p:spPr>
+        <p:style>
+          <a:lnRef idx="2">
+            <a:schemeClr val="dk1">
+              <a:shade val="50000"/>
+            </a:schemeClr>
+          </a:lnRef>
+          <a:fillRef idx="1">
+            <a:schemeClr val="dk1"/>
+          </a:fillRef>
+          <a:effectRef idx="0">
+            <a:schemeClr val="dk1"/>
+          </a:effectRef>
+          <a:fontRef idx="minor">
+            <a:schemeClr val="lt1"/>
+          </a:fontRef>
+        </p:style>
+        <p:txBody>
+          <a:bodyPr rtlCol="0" anchor="ctr"/>
+          <a:lstStyle/>
+          <a:p>
+            <a:pPr algn="ctr"/>
+            <a:endParaRPr lang="LID4096"/>
+          </a:p>
+        </p:txBody>
+      </p:sp>
+      <p:sp>
+        <p:nvSpPr>
+          <p:cNvPr id="37" name="Rectangle 36">
+            <a:extLst>
+              <a:ext uri="{FF2B5EF4-FFF2-40B4-BE49-F238E27FC236}">
+                <a16:creationId xmlns:a16="http://schemas.microsoft.com/office/drawing/2014/main" id="{9BD197BA-6F41-45FE-8C83-7E36A7E8C5F9}"/>
+              </a:ext>
+            </a:extLst>
+          </p:cNvPr>
+          <p:cNvSpPr/>
+          <p:nvPr/>
+        </p:nvSpPr>
+        <p:spPr>
+          <a:xfrm>
+            <a:off x="10357582" y="3701845"/>
+            <a:ext cx="467032" cy="467032"/>
+          </a:xfrm>
+          <a:prstGeom prst="rect">
+            <a:avLst/>
+          </a:prstGeom>
+          <a:ln w="19050">
+            <a:solidFill>
+              <a:schemeClr val="bg1"/>
+            </a:solidFill>
+          </a:ln>
+        </p:spPr>
+        <p:style>
+          <a:lnRef idx="2">
+            <a:schemeClr val="dk1">
+              <a:shade val="50000"/>
+            </a:schemeClr>
+          </a:lnRef>
+          <a:fillRef idx="1">
+            <a:schemeClr val="dk1"/>
+          </a:fillRef>
+          <a:effectRef idx="0">
+            <a:schemeClr val="dk1"/>
+          </a:effectRef>
+          <a:fontRef idx="minor">
+            <a:schemeClr val="lt1"/>
+          </a:fontRef>
+        </p:style>
+        <p:txBody>
+          <a:bodyPr rtlCol="0" anchor="ctr"/>
+          <a:lstStyle/>
+          <a:p>
+            <a:pPr algn="ctr"/>
+            <a:endParaRPr lang="LID4096"/>
+          </a:p>
+        </p:txBody>
+      </p:sp>
+      <p:sp>
+        <p:nvSpPr>
+          <p:cNvPr id="38" name="Rectangle 37">
+            <a:extLst>
+              <a:ext uri="{FF2B5EF4-FFF2-40B4-BE49-F238E27FC236}">
+                <a16:creationId xmlns:a16="http://schemas.microsoft.com/office/drawing/2014/main" id="{1D1A55FE-5711-4AD0-B221-24FB5BD07D94}"/>
+              </a:ext>
+            </a:extLst>
+          </p:cNvPr>
+          <p:cNvSpPr/>
+          <p:nvPr/>
+        </p:nvSpPr>
+        <p:spPr>
+          <a:xfrm>
+            <a:off x="11442187" y="3701845"/>
+            <a:ext cx="467032" cy="467032"/>
+          </a:xfrm>
+          <a:prstGeom prst="rect">
+            <a:avLst/>
+          </a:prstGeom>
+          <a:solidFill>
+            <a:schemeClr val="bg1"/>
+          </a:solidFill>
+          <a:ln w="19050">
+            <a:solidFill>
+              <a:schemeClr val="bg1"/>
+            </a:solidFill>
+          </a:ln>
+        </p:spPr>
+        <p:style>
+          <a:lnRef idx="2">
+            <a:schemeClr val="dk1">
+              <a:shade val="50000"/>
+            </a:schemeClr>
+          </a:lnRef>
+          <a:fillRef idx="1">
+            <a:schemeClr val="dk1"/>
+          </a:fillRef>
+          <a:effectRef idx="0">
+            <a:schemeClr val="dk1"/>
+          </a:effectRef>
+          <a:fontRef idx="minor">
+            <a:schemeClr val="lt1"/>
+          </a:fontRef>
+        </p:style>
+        <p:txBody>
+          <a:bodyPr rtlCol="0" anchor="ctr"/>
+          <a:lstStyle/>
+          <a:p>
+            <a:pPr algn="ctr"/>
+            <a:endParaRPr lang="LID4096"/>
+          </a:p>
+        </p:txBody>
+      </p:sp>
+      <p:sp>
+        <p:nvSpPr>
+          <p:cNvPr id="39" name="Rectangle 38">
+            <a:extLst>
+              <a:ext uri="{FF2B5EF4-FFF2-40B4-BE49-F238E27FC236}">
+                <a16:creationId xmlns:a16="http://schemas.microsoft.com/office/drawing/2014/main" id="{D68111AF-9E3F-4028-9263-4E811A04586C}"/>
+              </a:ext>
+            </a:extLst>
+          </p:cNvPr>
+          <p:cNvSpPr/>
+          <p:nvPr/>
+        </p:nvSpPr>
+        <p:spPr>
+          <a:xfrm>
+            <a:off x="10899884" y="3701845"/>
+            <a:ext cx="467032" cy="467032"/>
+          </a:xfrm>
+          <a:prstGeom prst="rect">
+            <a:avLst/>
+          </a:prstGeom>
+          <a:solidFill>
+            <a:schemeClr val="bg1"/>
+          </a:solidFill>
+          <a:ln w="19050">
+            <a:solidFill>
+              <a:schemeClr val="bg1"/>
+            </a:solidFill>
+          </a:ln>
+        </p:spPr>
+        <p:style>
+          <a:lnRef idx="2">
+            <a:schemeClr val="dk1">
+              <a:shade val="50000"/>
+            </a:schemeClr>
+          </a:lnRef>
+          <a:fillRef idx="1">
+            <a:schemeClr val="dk1"/>
+          </a:fillRef>
+          <a:effectRef idx="0">
+            <a:schemeClr val="dk1"/>
+          </a:effectRef>
+          <a:fontRef idx="minor">
+            <a:schemeClr val="lt1"/>
+          </a:fontRef>
+        </p:style>
+        <p:txBody>
+          <a:bodyPr rtlCol="0" anchor="ctr"/>
+          <a:lstStyle/>
+          <a:p>
+            <a:pPr algn="ctr"/>
+            <a:endParaRPr lang="LID4096"/>
+          </a:p>
+        </p:txBody>
+      </p:sp>
+      <p:sp>
+        <p:nvSpPr>
+          <p:cNvPr id="40" name="TextBox 39">
+            <a:extLst>
+              <a:ext uri="{FF2B5EF4-FFF2-40B4-BE49-F238E27FC236}">
+                <a16:creationId xmlns:a16="http://schemas.microsoft.com/office/drawing/2014/main" id="{FF1D4023-9846-4801-B434-A46A993D0722}"/>
+              </a:ext>
+            </a:extLst>
+          </p:cNvPr>
+          <p:cNvSpPr txBox="1"/>
+          <p:nvPr/>
+        </p:nvSpPr>
+        <p:spPr>
+          <a:xfrm>
+            <a:off x="10686270" y="1972057"/>
+            <a:ext cx="1002197" cy="369332"/>
+          </a:xfrm>
+          <a:prstGeom prst="rect">
+            <a:avLst/>
+          </a:prstGeom>
+          <a:noFill/>
+        </p:spPr>
+        <p:txBody>
+          <a:bodyPr wrap="none" rtlCol="0">
+            <a:spAutoFit/>
+          </a:bodyPr>
+          <a:lstStyle/>
+          <a:p>
+            <a:r>
+              <a:rPr lang="he-IL" b="1" u="sng" dirty="0">
+                <a:solidFill>
+                  <a:schemeClr val="bg1"/>
+                </a:solidFill>
+              </a:rPr>
+              <a:t>גדול</a:t>
+            </a:r>
+            <a:r>
+              <a:rPr lang="he-IL" dirty="0">
+                <a:solidFill>
+                  <a:schemeClr val="bg1"/>
+                </a:solidFill>
+              </a:rPr>
+              <a:t> מ-5</a:t>
+            </a:r>
+            <a:endParaRPr lang="LID4096" dirty="0">
+              <a:solidFill>
+                <a:schemeClr val="bg1"/>
+              </a:solidFill>
+            </a:endParaRPr>
+          </a:p>
+        </p:txBody>
+      </p:sp>
     </p:spTree>
     <p:extLst>
       <p:ext uri="{BB962C8B-B14F-4D97-AF65-F5344CB8AC3E}">
-        <p14:creationId xmlns:p14="http://schemas.microsoft.com/office/powerpoint/2010/main" val="568631794"/>
+        <p14:creationId xmlns:p14="http://schemas.microsoft.com/office/powerpoint/2010/main" val="1967687711"/>
       </p:ext>
     </p:extLst>
   </p:cSld>
